--- a/light/sapienza-ppt-template.pptx
+++ b/light/sapienza-ppt-template.pptx
@@ -818,7 +818,7 @@
   <p:cSld>
     <p:spTree>
       <p:nvGrpSpPr>
-        <p:cNvPr id="66" name="Shape 66"/>
+        <p:cNvPr id="65" name="Shape 65"/>
         <p:cNvGrpSpPr/>
         <p:nvPr/>
       </p:nvGrpSpPr>
@@ -832,7 +832,7 @@
       </p:grpSpPr>
       <p:sp>
         <p:nvSpPr>
-          <p:cNvPr id="67" name="Google Shape;67;g12df644b60b_0_14:notes"/>
+          <p:cNvPr id="66" name="Google Shape;66;g12df644b60b_0_14:notes"/>
           <p:cNvSpPr/>
           <p:nvPr>
             <p:ph idx="2" type="sldImg"/>
@@ -867,7 +867,7 @@
       </p:sp>
       <p:sp>
         <p:nvSpPr>
-          <p:cNvPr id="68" name="Google Shape;68;g12df644b60b_0_14:notes"/>
+          <p:cNvPr id="67" name="Google Shape;67;g12df644b60b_0_14:notes"/>
           <p:cNvSpPr txBox="1"/>
           <p:nvPr>
             <p:ph idx="1" type="body"/>
@@ -917,7 +917,7 @@
   <p:cSld>
     <p:spTree>
       <p:nvGrpSpPr>
-        <p:cNvPr id="78" name="Shape 78"/>
+        <p:cNvPr id="77" name="Shape 77"/>
         <p:cNvGrpSpPr/>
         <p:nvPr/>
       </p:nvGrpSpPr>
@@ -931,7 +931,7 @@
       </p:grpSpPr>
       <p:sp>
         <p:nvSpPr>
-          <p:cNvPr id="79" name="Google Shape;79;g12ade092b4f_0_5:notes"/>
+          <p:cNvPr id="78" name="Google Shape;78;g12ade092b4f_0_5:notes"/>
           <p:cNvSpPr/>
           <p:nvPr>
             <p:ph idx="2" type="sldImg"/>
@@ -966,7 +966,7 @@
       </p:sp>
       <p:sp>
         <p:nvSpPr>
-          <p:cNvPr id="80" name="Google Shape;80;g12ade092b4f_0_5:notes"/>
+          <p:cNvPr id="79" name="Google Shape;79;g12ade092b4f_0_5:notes"/>
           <p:cNvSpPr txBox="1"/>
           <p:nvPr>
             <p:ph idx="1" type="body"/>
@@ -1019,7 +1019,7 @@
   <p:cSld>
     <p:spTree>
       <p:nvGrpSpPr>
-        <p:cNvPr id="86" name="Shape 86"/>
+        <p:cNvPr id="85" name="Shape 85"/>
         <p:cNvGrpSpPr/>
         <p:nvPr/>
       </p:nvGrpSpPr>
@@ -1033,7 +1033,7 @@
       </p:grpSpPr>
       <p:sp>
         <p:nvSpPr>
-          <p:cNvPr id="87" name="Google Shape;87;g1289395c232_45_41:notes"/>
+          <p:cNvPr id="86" name="Google Shape;86;g1289395c232_45_41:notes"/>
           <p:cNvSpPr/>
           <p:nvPr>
             <p:ph idx="2" type="sldImg"/>
@@ -1068,7 +1068,7 @@
       </p:sp>
       <p:sp>
         <p:nvSpPr>
-          <p:cNvPr id="88" name="Google Shape;88;g1289395c232_45_41:notes"/>
+          <p:cNvPr id="87" name="Google Shape;87;g1289395c232_45_41:notes"/>
           <p:cNvSpPr txBox="1"/>
           <p:nvPr>
             <p:ph idx="1" type="body"/>
@@ -1118,7 +1118,7 @@
   <p:cSld>
     <p:spTree>
       <p:nvGrpSpPr>
-        <p:cNvPr id="98" name="Shape 98"/>
+        <p:cNvPr id="97" name="Shape 97"/>
         <p:cNvGrpSpPr/>
         <p:nvPr/>
       </p:nvGrpSpPr>
@@ -1132,7 +1132,7 @@
       </p:grpSpPr>
       <p:sp>
         <p:nvSpPr>
-          <p:cNvPr id="99" name="Google Shape;99;g12df644b60b_0_98:notes"/>
+          <p:cNvPr id="98" name="Google Shape;98;g12df644b60b_0_98:notes"/>
           <p:cNvSpPr/>
           <p:nvPr>
             <p:ph idx="2" type="sldImg"/>
@@ -1167,7 +1167,7 @@
       </p:sp>
       <p:sp>
         <p:nvSpPr>
-          <p:cNvPr id="100" name="Google Shape;100;g12df644b60b_0_98:notes"/>
+          <p:cNvPr id="99" name="Google Shape;99;g12df644b60b_0_98:notes"/>
           <p:cNvSpPr txBox="1"/>
           <p:nvPr>
             <p:ph idx="1" type="body"/>
@@ -1217,7 +1217,7 @@
   <p:cSld>
     <p:spTree>
       <p:nvGrpSpPr>
-        <p:cNvPr id="107" name="Shape 107"/>
+        <p:cNvPr id="106" name="Shape 106"/>
         <p:cNvGrpSpPr/>
         <p:nvPr/>
       </p:nvGrpSpPr>
@@ -1231,7 +1231,7 @@
       </p:grpSpPr>
       <p:sp>
         <p:nvSpPr>
-          <p:cNvPr id="108" name="Google Shape;108;g12df644b60b_0_108:notes"/>
+          <p:cNvPr id="107" name="Google Shape;107;g12df644b60b_0_108:notes"/>
           <p:cNvSpPr/>
           <p:nvPr>
             <p:ph idx="2" type="sldImg"/>
@@ -1266,7 +1266,7 @@
       </p:sp>
       <p:sp>
         <p:nvSpPr>
-          <p:cNvPr id="109" name="Google Shape;109;g12df644b60b_0_108:notes"/>
+          <p:cNvPr id="108" name="Google Shape;108;g12df644b60b_0_108:notes"/>
           <p:cNvSpPr txBox="1"/>
           <p:nvPr>
             <p:ph idx="1" type="body"/>
@@ -1316,7 +1316,7 @@
   <p:cSld>
     <p:spTree>
       <p:nvGrpSpPr>
-        <p:cNvPr id="124" name="Shape 124"/>
+        <p:cNvPr id="123" name="Shape 123"/>
         <p:cNvGrpSpPr/>
         <p:nvPr/>
       </p:nvGrpSpPr>
@@ -1330,7 +1330,7 @@
       </p:grpSpPr>
       <p:sp>
         <p:nvSpPr>
-          <p:cNvPr id="125" name="Google Shape;125;g12a3e01eb3d_2_0:notes"/>
+          <p:cNvPr id="124" name="Google Shape;124;g12a3e01eb3d_2_0:notes"/>
           <p:cNvSpPr/>
           <p:nvPr>
             <p:ph idx="2" type="sldImg"/>
@@ -1365,7 +1365,7 @@
       </p:sp>
       <p:sp>
         <p:nvSpPr>
-          <p:cNvPr id="126" name="Google Shape;126;g12a3e01eb3d_2_0:notes"/>
+          <p:cNvPr id="125" name="Google Shape;125;g12a3e01eb3d_2_0:notes"/>
           <p:cNvSpPr txBox="1"/>
           <p:nvPr>
             <p:ph idx="1" type="body"/>
@@ -1415,7 +1415,7 @@
   <p:cSld>
     <p:spTree>
       <p:nvGrpSpPr>
-        <p:cNvPr id="132" name="Shape 132"/>
+        <p:cNvPr id="131" name="Shape 131"/>
         <p:cNvGrpSpPr/>
         <p:nvPr/>
       </p:nvGrpSpPr>
@@ -1429,7 +1429,7 @@
       </p:grpSpPr>
       <p:sp>
         <p:nvSpPr>
-          <p:cNvPr id="133" name="Google Shape;133;g95670f63ae_0_316:notes"/>
+          <p:cNvPr id="132" name="Google Shape;132;g95670f63ae_0_316:notes"/>
           <p:cNvSpPr/>
           <p:nvPr>
             <p:ph idx="2" type="sldImg"/>
@@ -1464,7 +1464,7 @@
       </p:sp>
       <p:sp>
         <p:nvSpPr>
-          <p:cNvPr id="134" name="Google Shape;134;g95670f63ae_0_316:notes"/>
+          <p:cNvPr id="133" name="Google Shape;133;g95670f63ae_0_316:notes"/>
           <p:cNvSpPr txBox="1"/>
           <p:nvPr>
             <p:ph idx="1" type="body"/>
@@ -6437,46 +6437,6 @@
           </a:p>
         </p:txBody>
       </p:sp>
-      <p:sp>
-        <p:nvSpPr>
-          <p:cNvPr id="65" name="Google Shape;65;p6"/>
-          <p:cNvSpPr txBox="1"/>
-          <p:nvPr>
-            <p:ph idx="12" type="sldNum"/>
-          </p:nvPr>
-        </p:nvSpPr>
-        <p:spPr>
-          <a:xfrm>
-            <a:off x="8536302" y="4749851"/>
-            <a:ext cx="548700" cy="393600"/>
-          </a:xfrm>
-          <a:prstGeom prst="rect">
-            <a:avLst/>
-          </a:prstGeom>
-        </p:spPr>
-        <p:txBody>
-          <a:bodyPr anchorCtr="0" anchor="ctr" bIns="91425" lIns="91425" spcFirstLastPara="1" rIns="91425" wrap="square" tIns="91425">
-            <a:noAutofit/>
-          </a:bodyPr>
-          <a:lstStyle/>
-          <a:p>
-            <a:pPr indent="0" lvl="0" marL="0" rtl="0" algn="r">
-              <a:spcBef>
-                <a:spcPts val="0"/>
-              </a:spcBef>
-              <a:spcAft>
-                <a:spcPts val="0"/>
-              </a:spcAft>
-              <a:buNone/>
-            </a:pPr>
-            <a:fld id="{00000000-1234-1234-1234-123412341234}" type="slidenum">
-              <a:rPr lang="it"/>
-              <a:t>‹#›</a:t>
-            </a:fld>
-            <a:endParaRPr/>
-          </a:p>
-        </p:txBody>
-      </p:sp>
     </p:spTree>
   </p:cSld>
   <p:clrMapOvr>
@@ -6490,7 +6450,7 @@
   <p:cSld>
     <p:spTree>
       <p:nvGrpSpPr>
-        <p:cNvPr id="69" name="Shape 69"/>
+        <p:cNvPr id="68" name="Shape 68"/>
         <p:cNvGrpSpPr/>
         <p:nvPr/>
       </p:nvGrpSpPr>
@@ -6504,7 +6464,7 @@
       </p:grpSpPr>
       <p:sp>
         <p:nvSpPr>
-          <p:cNvPr id="70" name="Google Shape;70;p7"/>
+          <p:cNvPr id="69" name="Google Shape;69;p7"/>
           <p:cNvSpPr txBox="1"/>
           <p:nvPr>
             <p:ph idx="12" type="sldNum"/>
@@ -6544,7 +6504,7 @@
       </p:sp>
       <p:sp>
         <p:nvSpPr>
-          <p:cNvPr id="71" name="Google Shape;71;p7"/>
+          <p:cNvPr id="70" name="Google Shape;70;p7"/>
           <p:cNvSpPr txBox="1"/>
           <p:nvPr>
             <p:ph type="title"/>
@@ -6584,7 +6544,7 @@
       </p:sp>
       <p:sp>
         <p:nvSpPr>
-          <p:cNvPr id="72" name="Google Shape;72;p7"/>
+          <p:cNvPr id="71" name="Google Shape;71;p7"/>
           <p:cNvSpPr txBox="1"/>
           <p:nvPr/>
         </p:nvSpPr>
@@ -6636,7 +6596,7 @@
       </p:sp>
       <p:sp>
         <p:nvSpPr>
-          <p:cNvPr id="73" name="Google Shape;73;p7"/>
+          <p:cNvPr id="72" name="Google Shape;72;p7"/>
           <p:cNvSpPr txBox="1"/>
           <p:nvPr/>
         </p:nvSpPr>
@@ -6688,7 +6648,7 @@
       </p:sp>
       <p:sp>
         <p:nvSpPr>
-          <p:cNvPr id="74" name="Google Shape;74;p7"/>
+          <p:cNvPr id="73" name="Google Shape;73;p7"/>
           <p:cNvSpPr txBox="1"/>
           <p:nvPr/>
         </p:nvSpPr>
@@ -6740,7 +6700,7 @@
       </p:sp>
       <p:sp>
         <p:nvSpPr>
-          <p:cNvPr id="75" name="Google Shape;75;p7"/>
+          <p:cNvPr id="74" name="Google Shape;74;p7"/>
           <p:cNvSpPr txBox="1"/>
           <p:nvPr/>
         </p:nvSpPr>
@@ -6792,7 +6752,7 @@
       </p:sp>
       <p:sp>
         <p:nvSpPr>
-          <p:cNvPr id="76" name="Google Shape;76;p7"/>
+          <p:cNvPr id="75" name="Google Shape;75;p7"/>
           <p:cNvSpPr txBox="1"/>
           <p:nvPr/>
         </p:nvSpPr>
@@ -6844,7 +6804,7 @@
       </p:sp>
       <p:sp>
         <p:nvSpPr>
-          <p:cNvPr id="77" name="Google Shape;77;p7"/>
+          <p:cNvPr id="76" name="Google Shape;76;p7"/>
           <p:cNvSpPr txBox="1"/>
           <p:nvPr/>
         </p:nvSpPr>
@@ -6907,7 +6867,7 @@
   <p:cSld>
     <p:spTree>
       <p:nvGrpSpPr>
-        <p:cNvPr id="81" name="Shape 81"/>
+        <p:cNvPr id="80" name="Shape 80"/>
         <p:cNvGrpSpPr/>
         <p:nvPr/>
       </p:nvGrpSpPr>
@@ -6921,7 +6881,7 @@
       </p:grpSpPr>
       <p:sp>
         <p:nvSpPr>
-          <p:cNvPr id="82" name="Google Shape;82;p8"/>
+          <p:cNvPr id="81" name="Google Shape;81;p8"/>
           <p:cNvSpPr txBox="1"/>
           <p:nvPr>
             <p:ph type="title"/>
@@ -6961,7 +6921,7 @@
       </p:sp>
       <p:sp>
         <p:nvSpPr>
-          <p:cNvPr id="83" name="Google Shape;83;p8"/>
+          <p:cNvPr id="82" name="Google Shape;82;p8"/>
           <p:cNvSpPr txBox="1"/>
           <p:nvPr>
             <p:ph idx="1" type="body"/>
@@ -7001,7 +6961,7 @@
       </p:sp>
       <p:sp>
         <p:nvSpPr>
-          <p:cNvPr id="84" name="Google Shape;84;p8"/>
+          <p:cNvPr id="83" name="Google Shape;83;p8"/>
           <p:cNvSpPr txBox="1"/>
           <p:nvPr>
             <p:ph idx="12" type="sldNum"/>
@@ -7041,7 +7001,7 @@
       </p:sp>
       <p:sp>
         <p:nvSpPr>
-          <p:cNvPr id="85" name="Google Shape;85;p8"/>
+          <p:cNvPr id="84" name="Google Shape;84;p8"/>
           <p:cNvSpPr txBox="1"/>
           <p:nvPr>
             <p:ph idx="2" type="subTitle"/>
@@ -7092,7 +7052,7 @@
   <p:cSld>
     <p:spTree>
       <p:nvGrpSpPr>
-        <p:cNvPr id="89" name="Shape 89"/>
+        <p:cNvPr id="88" name="Shape 88"/>
         <p:cNvGrpSpPr/>
         <p:nvPr/>
       </p:nvGrpSpPr>
@@ -7106,7 +7066,7 @@
       </p:grpSpPr>
       <p:sp>
         <p:nvSpPr>
-          <p:cNvPr id="90" name="Google Shape;90;p9"/>
+          <p:cNvPr id="89" name="Google Shape;89;p9"/>
           <p:cNvSpPr txBox="1"/>
           <p:nvPr>
             <p:ph type="title"/>
@@ -7146,7 +7106,7 @@
       </p:sp>
       <p:sp>
         <p:nvSpPr>
-          <p:cNvPr id="91" name="Google Shape;91;p9"/>
+          <p:cNvPr id="90" name="Google Shape;90;p9"/>
           <p:cNvSpPr txBox="1"/>
           <p:nvPr>
             <p:ph idx="12" type="sldNum"/>
@@ -7186,7 +7146,7 @@
       </p:sp>
       <p:sp>
         <p:nvSpPr>
-          <p:cNvPr id="92" name="Google Shape;92;p9"/>
+          <p:cNvPr id="91" name="Google Shape;91;p9"/>
           <p:cNvSpPr txBox="1"/>
           <p:nvPr>
             <p:ph idx="1" type="body"/>
@@ -7226,7 +7186,7 @@
       </p:sp>
       <p:sp>
         <p:nvSpPr>
-          <p:cNvPr id="93" name="Google Shape;93;p9"/>
+          <p:cNvPr id="92" name="Google Shape;92;p9"/>
           <p:cNvSpPr/>
           <p:nvPr/>
         </p:nvSpPr>
@@ -7247,7 +7207,7 @@
           </a:solidFill>
           <a:ln cap="flat" cmpd="sng" w="9525">
             <a:solidFill>
-              <a:schemeClr val="dk2"/>
+              <a:srgbClr val="6F0A19"/>
             </a:solidFill>
             <a:prstDash val="solid"/>
             <a:round/>
@@ -7291,7 +7251,7 @@
       </p:sp>
       <p:sp>
         <p:nvSpPr>
-          <p:cNvPr id="94" name="Google Shape;94;p9"/>
+          <p:cNvPr id="93" name="Google Shape;93;p9"/>
           <p:cNvSpPr/>
           <p:nvPr/>
         </p:nvSpPr>
@@ -7312,7 +7272,7 @@
           </a:solidFill>
           <a:ln cap="flat" cmpd="sng" w="9525">
             <a:solidFill>
-              <a:schemeClr val="dk2"/>
+              <a:srgbClr val="006778"/>
             </a:solidFill>
             <a:prstDash val="solid"/>
             <a:round/>
@@ -7356,7 +7316,7 @@
       </p:sp>
       <p:sp>
         <p:nvSpPr>
-          <p:cNvPr id="95" name="Google Shape;95;p9"/>
+          <p:cNvPr id="94" name="Google Shape;94;p9"/>
           <p:cNvSpPr/>
           <p:nvPr/>
         </p:nvSpPr>
@@ -7424,7 +7384,7 @@
       </p:sp>
       <p:sp>
         <p:nvSpPr>
-          <p:cNvPr id="96" name="Google Shape;96;p9"/>
+          <p:cNvPr id="95" name="Google Shape;95;p9"/>
           <p:cNvSpPr/>
           <p:nvPr/>
         </p:nvSpPr>
@@ -7492,7 +7452,7 @@
       </p:sp>
       <p:sp>
         <p:nvSpPr>
-          <p:cNvPr id="97" name="Google Shape;97;p9"/>
+          <p:cNvPr id="96" name="Google Shape;96;p9"/>
           <p:cNvSpPr txBox="1"/>
           <p:nvPr>
             <p:ph idx="2" type="subTitle"/>
@@ -7543,7 +7503,7 @@
   <p:cSld>
     <p:spTree>
       <p:nvGrpSpPr>
-        <p:cNvPr id="101" name="Shape 101"/>
+        <p:cNvPr id="100" name="Shape 100"/>
         <p:cNvGrpSpPr/>
         <p:nvPr/>
       </p:nvGrpSpPr>
@@ -7557,7 +7517,7 @@
       </p:grpSpPr>
       <p:sp>
         <p:nvSpPr>
-          <p:cNvPr id="102" name="Google Shape;102;p10"/>
+          <p:cNvPr id="101" name="Google Shape;101;p10"/>
           <p:cNvSpPr txBox="1"/>
           <p:nvPr>
             <p:ph type="title"/>
@@ -7597,7 +7557,7 @@
       </p:sp>
       <p:sp>
         <p:nvSpPr>
-          <p:cNvPr id="103" name="Google Shape;103;p10"/>
+          <p:cNvPr id="102" name="Google Shape;102;p10"/>
           <p:cNvSpPr txBox="1"/>
           <p:nvPr>
             <p:ph idx="1" type="subTitle"/>
@@ -7637,7 +7597,7 @@
       </p:sp>
       <p:sp>
         <p:nvSpPr>
-          <p:cNvPr id="104" name="Google Shape;104;p10"/>
+          <p:cNvPr id="103" name="Google Shape;103;p10"/>
           <p:cNvSpPr txBox="1"/>
           <p:nvPr>
             <p:ph idx="2" type="body"/>
@@ -7677,7 +7637,7 @@
       </p:sp>
       <p:sp>
         <p:nvSpPr>
-          <p:cNvPr id="105" name="Google Shape;105;p10"/>
+          <p:cNvPr id="104" name="Google Shape;104;p10"/>
           <p:cNvSpPr txBox="1"/>
           <p:nvPr>
             <p:ph idx="12" type="sldNum"/>
@@ -7717,7 +7677,7 @@
       </p:sp>
       <p:sp>
         <p:nvSpPr>
-          <p:cNvPr id="106" name="Google Shape;106;p10"/>
+          <p:cNvPr id="105" name="Google Shape;105;p10"/>
           <p:cNvSpPr txBox="1"/>
           <p:nvPr>
             <p:ph idx="3" type="subTitle"/>
@@ -7768,7 +7728,7 @@
   <p:cSld>
     <p:spTree>
       <p:nvGrpSpPr>
-        <p:cNvPr id="110" name="Shape 110"/>
+        <p:cNvPr id="109" name="Shape 109"/>
         <p:cNvGrpSpPr/>
         <p:nvPr/>
       </p:nvGrpSpPr>
@@ -7782,7 +7742,7 @@
       </p:grpSpPr>
       <p:sp>
         <p:nvSpPr>
-          <p:cNvPr id="111" name="Google Shape;111;p11"/>
+          <p:cNvPr id="110" name="Google Shape;110;p11"/>
           <p:cNvSpPr txBox="1"/>
           <p:nvPr>
             <p:ph idx="12" type="sldNum"/>
@@ -7822,7 +7782,7 @@
       </p:sp>
       <p:sp>
         <p:nvSpPr>
-          <p:cNvPr id="112" name="Google Shape;112;p11"/>
+          <p:cNvPr id="111" name="Google Shape;111;p11"/>
           <p:cNvSpPr txBox="1"/>
           <p:nvPr>
             <p:ph idx="2" type="subTitle"/>
@@ -7862,7 +7822,7 @@
       </p:sp>
       <p:sp>
         <p:nvSpPr>
-          <p:cNvPr id="113" name="Google Shape;113;p11"/>
+          <p:cNvPr id="112" name="Google Shape;112;p11"/>
           <p:cNvSpPr txBox="1"/>
           <p:nvPr/>
         </p:nvSpPr>
@@ -7920,7 +7880,7 @@
       </p:sp>
       <p:sp>
         <p:nvSpPr>
-          <p:cNvPr id="114" name="Google Shape;114;p11"/>
+          <p:cNvPr id="113" name="Google Shape;113;p11"/>
           <p:cNvSpPr txBox="1"/>
           <p:nvPr/>
         </p:nvSpPr>
@@ -7978,7 +7938,7 @@
       </p:sp>
       <p:sp>
         <p:nvSpPr>
-          <p:cNvPr id="115" name="Google Shape;115;p11"/>
+          <p:cNvPr id="114" name="Google Shape;114;p11"/>
           <p:cNvSpPr txBox="1"/>
           <p:nvPr/>
         </p:nvSpPr>
@@ -8030,7 +7990,7 @@
       </p:sp>
       <p:sp>
         <p:nvSpPr>
-          <p:cNvPr id="116" name="Google Shape;116;p11"/>
+          <p:cNvPr id="115" name="Google Shape;115;p11"/>
           <p:cNvSpPr txBox="1"/>
           <p:nvPr/>
         </p:nvSpPr>
@@ -8111,7 +8071,7 @@
       </p:sp>
       <p:sp>
         <p:nvSpPr>
-          <p:cNvPr id="117" name="Google Shape;117;p11"/>
+          <p:cNvPr id="116" name="Google Shape;116;p11"/>
           <p:cNvSpPr txBox="1"/>
           <p:nvPr/>
         </p:nvSpPr>
@@ -8163,7 +8123,7 @@
       </p:sp>
       <p:sp>
         <p:nvSpPr>
-          <p:cNvPr id="118" name="Google Shape;118;p11"/>
+          <p:cNvPr id="117" name="Google Shape;117;p11"/>
           <p:cNvSpPr txBox="1"/>
           <p:nvPr/>
         </p:nvSpPr>
@@ -8221,7 +8181,7 @@
       </p:sp>
       <p:sp>
         <p:nvSpPr>
-          <p:cNvPr id="119" name="Google Shape;119;p11"/>
+          <p:cNvPr id="118" name="Google Shape;118;p11"/>
           <p:cNvSpPr txBox="1"/>
           <p:nvPr/>
         </p:nvSpPr>
@@ -8273,7 +8233,7 @@
       </p:sp>
       <p:sp>
         <p:nvSpPr>
-          <p:cNvPr id="120" name="Google Shape;120;p11"/>
+          <p:cNvPr id="119" name="Google Shape;119;p11"/>
           <p:cNvSpPr/>
           <p:nvPr/>
         </p:nvSpPr>
@@ -8316,7 +8276,7 @@
       </p:sp>
       <p:sp>
         <p:nvSpPr>
-          <p:cNvPr id="121" name="Google Shape;121;p11"/>
+          <p:cNvPr id="120" name="Google Shape;120;p11"/>
           <p:cNvSpPr/>
           <p:nvPr/>
         </p:nvSpPr>
@@ -8363,7 +8323,7 @@
       </p:sp>
       <p:sp>
         <p:nvSpPr>
-          <p:cNvPr id="122" name="Google Shape;122;p11"/>
+          <p:cNvPr id="121" name="Google Shape;121;p11"/>
           <p:cNvSpPr/>
           <p:nvPr/>
         </p:nvSpPr>
@@ -8410,7 +8370,7 @@
       </p:sp>
       <p:sp>
         <p:nvSpPr>
-          <p:cNvPr id="123" name="Google Shape;123;p11"/>
+          <p:cNvPr id="122" name="Google Shape;122;p11"/>
           <p:cNvSpPr/>
           <p:nvPr/>
         </p:nvSpPr>
@@ -8468,7 +8428,7 @@
   <p:cSld>
     <p:spTree>
       <p:nvGrpSpPr>
-        <p:cNvPr id="127" name="Shape 127"/>
+        <p:cNvPr id="126" name="Shape 126"/>
         <p:cNvGrpSpPr/>
         <p:nvPr/>
       </p:nvGrpSpPr>
@@ -8482,7 +8442,7 @@
       </p:grpSpPr>
       <p:sp>
         <p:nvSpPr>
-          <p:cNvPr id="128" name="Google Shape;128;p12"/>
+          <p:cNvPr id="127" name="Google Shape;127;p12"/>
           <p:cNvSpPr txBox="1"/>
           <p:nvPr>
             <p:ph type="title"/>
@@ -8522,7 +8482,7 @@
       </p:sp>
       <p:sp>
         <p:nvSpPr>
-          <p:cNvPr id="129" name="Google Shape;129;p12"/>
+          <p:cNvPr id="128" name="Google Shape;128;p12"/>
           <p:cNvSpPr txBox="1"/>
           <p:nvPr>
             <p:ph idx="1" type="body"/>
@@ -8662,7 +8622,7 @@
       </p:sp>
       <p:sp>
         <p:nvSpPr>
-          <p:cNvPr id="130" name="Google Shape;130;p12"/>
+          <p:cNvPr id="129" name="Google Shape;129;p12"/>
           <p:cNvSpPr txBox="1"/>
           <p:nvPr>
             <p:ph idx="12" type="sldNum"/>
@@ -8702,7 +8662,7 @@
       </p:sp>
       <p:sp>
         <p:nvSpPr>
-          <p:cNvPr id="131" name="Google Shape;131;p12"/>
+          <p:cNvPr id="130" name="Google Shape;130;p12"/>
           <p:cNvSpPr txBox="1"/>
           <p:nvPr>
             <p:ph idx="2" type="subTitle"/>
@@ -8753,7 +8713,7 @@
   <p:cSld>
     <p:spTree>
       <p:nvGrpSpPr>
-        <p:cNvPr id="135" name="Shape 135"/>
+        <p:cNvPr id="134" name="Shape 134"/>
         <p:cNvGrpSpPr/>
         <p:nvPr/>
       </p:nvGrpSpPr>
@@ -8767,7 +8727,7 @@
       </p:grpSpPr>
       <p:sp>
         <p:nvSpPr>
-          <p:cNvPr id="136" name="Google Shape;136;p13"/>
+          <p:cNvPr id="135" name="Google Shape;135;p13"/>
           <p:cNvSpPr txBox="1"/>
           <p:nvPr>
             <p:ph type="ctrTitle"/>
@@ -8801,46 +8761,6 @@
               <a:rPr lang="it"/>
               <a:t>Thank you for the attention!</a:t>
             </a:r>
-            <a:endParaRPr/>
-          </a:p>
-        </p:txBody>
-      </p:sp>
-      <p:sp>
-        <p:nvSpPr>
-          <p:cNvPr id="137" name="Google Shape;137;p13"/>
-          <p:cNvSpPr txBox="1"/>
-          <p:nvPr>
-            <p:ph idx="12" type="sldNum"/>
-          </p:nvPr>
-        </p:nvSpPr>
-        <p:spPr>
-          <a:xfrm>
-            <a:off x="8536302" y="4749851"/>
-            <a:ext cx="548700" cy="393600"/>
-          </a:xfrm>
-          <a:prstGeom prst="rect">
-            <a:avLst/>
-          </a:prstGeom>
-        </p:spPr>
-        <p:txBody>
-          <a:bodyPr anchorCtr="0" anchor="ctr" bIns="91425" lIns="91425" spcFirstLastPara="1" rIns="91425" wrap="square" tIns="91425">
-            <a:noAutofit/>
-          </a:bodyPr>
-          <a:lstStyle/>
-          <a:p>
-            <a:pPr indent="0" lvl="0" marL="0" rtl="0" algn="r">
-              <a:spcBef>
-                <a:spcPts val="0"/>
-              </a:spcBef>
-              <a:spcAft>
-                <a:spcPts val="0"/>
-              </a:spcAft>
-              <a:buNone/>
-            </a:pPr>
-            <a:fld id="{00000000-1234-1234-1234-123412341234}" type="slidenum">
-              <a:rPr lang="it"/>
-              <a:t>‹#›</a:t>
-            </a:fld>
             <a:endParaRPr/>
           </a:p>
         </p:txBody>
